--- a/Az elfejtett könyvtár 1.pptx
+++ b/Az elfejtett könyvtár 1.pptx
@@ -293,7 +293,7 @@
           <a:p>
             <a:fld id="{48A87A34-81AB-432B-8DAE-1953F412C126}" type="datetimeFigureOut">
               <a:rPr lang="en-US" dirty="0"/>
-              <a:t>4/17/2024</a:t>
+              <a:t>4/18/2024</a:t>
             </a:fld>
             <a:endParaRPr lang="en-US" dirty="0"/>
           </a:p>
@@ -555,7 +555,7 @@
           <a:p>
             <a:fld id="{48A87A34-81AB-432B-8DAE-1953F412C126}" type="datetimeFigureOut">
               <a:rPr lang="en-US" dirty="0"/>
-              <a:t>4/17/2024</a:t>
+              <a:t>4/18/2024</a:t>
             </a:fld>
             <a:endParaRPr lang="en-US" dirty="0"/>
           </a:p>
@@ -782,7 +782,7 @@
             <a:fld id="{48A87A34-81AB-432B-8DAE-1953F412C126}" type="datetimeFigureOut">
               <a:rPr lang="en-US" dirty="0"/>
               <a:pPr/>
-              <a:t>4/17/2024</a:t>
+              <a:t>4/18/2024</a:t>
             </a:fld>
             <a:endParaRPr lang="en-US" dirty="0"/>
           </a:p>
@@ -1088,7 +1088,7 @@
             <a:fld id="{48A87A34-81AB-432B-8DAE-1953F412C126}" type="datetimeFigureOut">
               <a:rPr lang="en-US" dirty="0"/>
               <a:pPr/>
-              <a:t>4/17/2024</a:t>
+              <a:t>4/18/2024</a:t>
             </a:fld>
             <a:endParaRPr lang="en-US" dirty="0"/>
           </a:p>
@@ -1557,7 +1557,7 @@
             <a:fld id="{48A87A34-81AB-432B-8DAE-1953F412C126}" type="datetimeFigureOut">
               <a:rPr lang="en-US" dirty="0"/>
               <a:pPr/>
-              <a:t>4/17/2024</a:t>
+              <a:t>4/18/2024</a:t>
             </a:fld>
             <a:endParaRPr lang="en-US" dirty="0"/>
           </a:p>
@@ -2099,7 +2099,7 @@
           <a:p>
             <a:fld id="{48A87A34-81AB-432B-8DAE-1953F412C126}" type="datetimeFigureOut">
               <a:rPr lang="en-US" dirty="0"/>
-              <a:t>4/17/2024</a:t>
+              <a:t>4/18/2024</a:t>
             </a:fld>
             <a:endParaRPr lang="en-US" dirty="0"/>
           </a:p>
@@ -2868,7 +2868,7 @@
           <a:p>
             <a:fld id="{48A87A34-81AB-432B-8DAE-1953F412C126}" type="datetimeFigureOut">
               <a:rPr lang="en-US" dirty="0"/>
-              <a:t>4/17/2024</a:t>
+              <a:t>4/18/2024</a:t>
             </a:fld>
             <a:endParaRPr lang="en-US" dirty="0"/>
           </a:p>
@@ -3038,7 +3038,7 @@
           <a:p>
             <a:fld id="{48A87A34-81AB-432B-8DAE-1953F412C126}" type="datetimeFigureOut">
               <a:rPr lang="en-US" dirty="0"/>
-              <a:t>4/17/2024</a:t>
+              <a:t>4/18/2024</a:t>
             </a:fld>
             <a:endParaRPr lang="en-US" dirty="0"/>
           </a:p>
@@ -3257,7 +3257,7 @@
             <a:fld id="{48A87A34-81AB-432B-8DAE-1953F412C126}" type="datetimeFigureOut">
               <a:rPr lang="en-US" dirty="0"/>
               <a:pPr/>
-              <a:t>4/17/2024</a:t>
+              <a:t>4/18/2024</a:t>
             </a:fld>
             <a:endParaRPr lang="en-US" dirty="0"/>
           </a:p>
@@ -3432,7 +3432,7 @@
           <a:p>
             <a:fld id="{48A87A34-81AB-432B-8DAE-1953F412C126}" type="datetimeFigureOut">
               <a:rPr lang="en-US" dirty="0"/>
-              <a:t>4/17/2024</a:t>
+              <a:t>4/18/2024</a:t>
             </a:fld>
             <a:endParaRPr lang="en-US" dirty="0"/>
           </a:p>
@@ -3717,7 +3717,7 @@
             <a:fld id="{48A87A34-81AB-432B-8DAE-1953F412C126}" type="datetimeFigureOut">
               <a:rPr lang="en-US" dirty="0"/>
               <a:pPr/>
-              <a:t>4/17/2024</a:t>
+              <a:t>4/18/2024</a:t>
             </a:fld>
             <a:endParaRPr lang="en-US" dirty="0"/>
           </a:p>
@@ -3954,7 +3954,7 @@
           <a:p>
             <a:fld id="{48A87A34-81AB-432B-8DAE-1953F412C126}" type="datetimeFigureOut">
               <a:rPr lang="en-US" dirty="0"/>
-              <a:t>4/17/2024</a:t>
+              <a:t>4/18/2024</a:t>
             </a:fld>
             <a:endParaRPr lang="en-US" dirty="0"/>
           </a:p>
@@ -4328,7 +4328,7 @@
           <a:p>
             <a:fld id="{48A87A34-81AB-432B-8DAE-1953F412C126}" type="datetimeFigureOut">
               <a:rPr lang="en-US" dirty="0"/>
-              <a:t>4/17/2024</a:t>
+              <a:t>4/18/2024</a:t>
             </a:fld>
             <a:endParaRPr lang="en-US" dirty="0"/>
           </a:p>
@@ -4441,7 +4441,7 @@
           <a:p>
             <a:fld id="{48A87A34-81AB-432B-8DAE-1953F412C126}" type="datetimeFigureOut">
               <a:rPr lang="en-US" dirty="0"/>
-              <a:t>4/17/2024</a:t>
+              <a:t>4/18/2024</a:t>
             </a:fld>
             <a:endParaRPr lang="en-US" dirty="0"/>
           </a:p>
@@ -4531,7 +4531,7 @@
           <a:p>
             <a:fld id="{48A87A34-81AB-432B-8DAE-1953F412C126}" type="datetimeFigureOut">
               <a:rPr lang="en-US" dirty="0"/>
-              <a:t>4/17/2024</a:t>
+              <a:t>4/18/2024</a:t>
             </a:fld>
             <a:endParaRPr lang="en-US" dirty="0"/>
           </a:p>
@@ -4775,7 +4775,7 @@
           <a:p>
             <a:fld id="{48A87A34-81AB-432B-8DAE-1953F412C126}" type="datetimeFigureOut">
               <a:rPr lang="en-US" dirty="0"/>
-              <a:t>4/17/2024</a:t>
+              <a:t>4/18/2024</a:t>
             </a:fld>
             <a:endParaRPr lang="en-US" dirty="0"/>
           </a:p>
@@ -5027,7 +5027,7 @@
           <a:p>
             <a:fld id="{48A87A34-81AB-432B-8DAE-1953F412C126}" type="datetimeFigureOut">
               <a:rPr lang="en-US" dirty="0"/>
-              <a:t>4/17/2024</a:t>
+              <a:t>4/18/2024</a:t>
             </a:fld>
             <a:endParaRPr lang="en-US" dirty="0"/>
           </a:p>
@@ -5266,7 +5266,7 @@
             <a:fld id="{48A87A34-81AB-432B-8DAE-1953F412C126}" type="datetimeFigureOut">
               <a:rPr lang="en-US" dirty="0"/>
               <a:pPr/>
-              <a:t>4/17/2024</a:t>
+              <a:t>4/18/2024</a:t>
             </a:fld>
             <a:endParaRPr lang="en-US" dirty="0"/>
           </a:p>
@@ -6555,12 +6555,59 @@
         </p:blipFill>
         <p:spPr>
           <a:xfrm>
-            <a:off x="8842899" y="3298798"/>
+            <a:off x="8795001" y="155548"/>
             <a:ext cx="3164700" cy="3360253"/>
           </a:xfrm>
           <a:prstGeom prst="rect">
             <a:avLst/>
           </a:prstGeom>
+        </p:spPr>
+      </p:pic>
+      <p:pic>
+        <p:nvPicPr>
+          <p:cNvPr id="1026" name="Picture 2">
+            <a:extLst>
+              <a:ext uri="{FF2B5EF4-FFF2-40B4-BE49-F238E27FC236}">
+                <a16:creationId xmlns:a16="http://schemas.microsoft.com/office/drawing/2014/main" id="{CF0AC99A-A449-2B7C-6C8A-1059B35FF2DD}"/>
+              </a:ext>
+            </a:extLst>
+          </p:cNvPr>
+          <p:cNvPicPr>
+            <a:picLocks noChangeAspect="1" noChangeArrowheads="1"/>
+          </p:cNvPicPr>
+          <p:nvPr/>
+        </p:nvPicPr>
+        <p:blipFill>
+          <a:blip r:embed="rId3">
+            <a:extLst>
+              <a:ext uri="{28A0092B-C50C-407E-A947-70E740481C1C}">
+                <a14:useLocalDpi xmlns:a14="http://schemas.microsoft.com/office/drawing/2010/main" val="0"/>
+              </a:ext>
+            </a:extLst>
+          </a:blip>
+          <a:srcRect/>
+          <a:stretch>
+            <a:fillRect/>
+          </a:stretch>
+        </p:blipFill>
+        <p:spPr bwMode="auto">
+          <a:xfrm>
+            <a:off x="3706802" y="3429000"/>
+            <a:ext cx="5088199" cy="3180125"/>
+          </a:xfrm>
+          <a:prstGeom prst="rect">
+            <a:avLst/>
+          </a:prstGeom>
+          <a:noFill/>
+          <a:extLst>
+            <a:ext uri="{909E8E84-426E-40DD-AFC4-6F175D3DCCD1}">
+              <a14:hiddenFill xmlns:a14="http://schemas.microsoft.com/office/drawing/2010/main">
+                <a:solidFill>
+                  <a:srgbClr val="FFFFFF"/>
+                </a:solidFill>
+              </a14:hiddenFill>
+            </a:ext>
+          </a:extLst>
         </p:spPr>
       </p:pic>
     </p:spTree>
